--- a/note/marine.pptx
+++ b/note/marine.pptx
@@ -236,7 +236,7 @@
           <a:p>
             <a:fld id="{684ABEAC-FD1E-446D-854E-09142DFB339C}" type="datetimeFigureOut">
               <a:rPr lang="ko-KR" altLang="en-US" smtClean="0"/>
-              <a:t>2025-01-06</a:t>
+              <a:t>2025-01-20</a:t>
             </a:fld>
             <a:endParaRPr lang="ko-KR" altLang="en-US"/>
           </a:p>
@@ -401,7 +401,7 @@
           <a:p>
             <a:fld id="{E299D967-67B2-4132-B52D-A253871A1F24}" type="datetimeFigureOut">
               <a:rPr lang="ko-KR" altLang="en-US" smtClean="0"/>
-              <a:t>2025-01-06</a:t>
+              <a:t>2025-01-20</a:t>
             </a:fld>
             <a:endParaRPr lang="ko-KR" altLang="en-US"/>
           </a:p>
@@ -1243,7 +1243,7 @@
           <a:p>
             <a:fld id="{20303F18-CB98-4E85-A37B-EF5A4E6C8DE7}" type="datetime1">
               <a:rPr lang="ko-KR" altLang="en-US" smtClean="0"/>
-              <a:t>2025-01-06</a:t>
+              <a:t>2025-01-20</a:t>
             </a:fld>
             <a:endParaRPr lang="ko-KR" altLang="en-US"/>
           </a:p>
@@ -1416,7 +1416,7 @@
           <a:p>
             <a:fld id="{CCA16C65-58A5-46D5-A762-12670B92641B}" type="datetime1">
               <a:rPr lang="ko-KR" altLang="en-US" smtClean="0"/>
-              <a:t>2025-01-06</a:t>
+              <a:t>2025-01-20</a:t>
             </a:fld>
             <a:endParaRPr lang="ko-KR" altLang="en-US"/>
           </a:p>
@@ -1594,7 +1594,7 @@
           <a:p>
             <a:fld id="{2D09A68A-AC6E-41FE-B28C-2BB812CC2E01}" type="datetime1">
               <a:rPr lang="ko-KR" altLang="en-US" smtClean="0"/>
-              <a:t>2025-01-06</a:t>
+              <a:t>2025-01-20</a:t>
             </a:fld>
             <a:endParaRPr lang="ko-KR" altLang="en-US"/>
           </a:p>
@@ -1762,7 +1762,7 @@
           <a:p>
             <a:fld id="{690B8B09-A0F3-4880-B090-7FDDEE5B5065}" type="datetime1">
               <a:rPr lang="ko-KR" altLang="en-US" smtClean="0"/>
-              <a:t>2025-01-06</a:t>
+              <a:t>2025-01-20</a:t>
             </a:fld>
             <a:endParaRPr lang="ko-KR" altLang="en-US"/>
           </a:p>
@@ -2007,7 +2007,7 @@
           <a:p>
             <a:fld id="{82F7D3F4-816B-4FA6-91FC-91836ECD0E53}" type="datetime1">
               <a:rPr lang="ko-KR" altLang="en-US" smtClean="0"/>
-              <a:t>2025-01-06</a:t>
+              <a:t>2025-01-20</a:t>
             </a:fld>
             <a:endParaRPr lang="ko-KR" altLang="en-US"/>
           </a:p>
@@ -2292,7 +2292,7 @@
           <a:p>
             <a:fld id="{2FB9FCFF-984A-4549-AB53-391F9EC1244A}" type="datetime1">
               <a:rPr lang="ko-KR" altLang="en-US" smtClean="0"/>
-              <a:t>2025-01-06</a:t>
+              <a:t>2025-01-20</a:t>
             </a:fld>
             <a:endParaRPr lang="ko-KR" altLang="en-US"/>
           </a:p>
@@ -2711,7 +2711,7 @@
           <a:p>
             <a:fld id="{94618DE4-C4FE-4171-90C7-38CF01638033}" type="datetime1">
               <a:rPr lang="ko-KR" altLang="en-US" smtClean="0"/>
-              <a:t>2025-01-06</a:t>
+              <a:t>2025-01-20</a:t>
             </a:fld>
             <a:endParaRPr lang="ko-KR" altLang="en-US"/>
           </a:p>
@@ -2828,7 +2828,7 @@
           <a:p>
             <a:fld id="{33587621-9D18-4C20-9B84-3E938621A025}" type="datetime1">
               <a:rPr lang="ko-KR" altLang="en-US" smtClean="0"/>
-              <a:t>2025-01-06</a:t>
+              <a:t>2025-01-20</a:t>
             </a:fld>
             <a:endParaRPr lang="ko-KR" altLang="en-US"/>
           </a:p>
@@ -3273,7 +3273,7 @@
           <a:p>
             <a:fld id="{B517649B-2577-404C-858E-51E9DEBB2548}" type="datetime1">
               <a:rPr lang="ko-KR" altLang="en-US" smtClean="0"/>
-              <a:t>2025-01-06</a:t>
+              <a:t>2025-01-20</a:t>
             </a:fld>
             <a:endParaRPr lang="ko-KR" altLang="en-US"/>
           </a:p>
@@ -3525,7 +3525,7 @@
           <a:p>
             <a:fld id="{8D84C674-EF46-4F27-9E3E-4F6A170B0DC6}" type="datetime1">
               <a:rPr lang="ko-KR" altLang="en-US" smtClean="0"/>
-              <a:t>2025-01-06</a:t>
+              <a:t>2025-01-20</a:t>
             </a:fld>
             <a:endParaRPr lang="ko-KR" altLang="en-US"/>
           </a:p>
@@ -3736,7 +3736,7 @@
           <a:p>
             <a:fld id="{B40F11ED-9D7B-4CCE-A57D-CC1D7760FB25}" type="datetime1">
               <a:rPr lang="ko-KR" altLang="en-US" smtClean="0"/>
-              <a:t>2025-01-06</a:t>
+              <a:t>2025-01-20</a:t>
             </a:fld>
             <a:endParaRPr lang="ko-KR" altLang="en-US"/>
           </a:p>
